--- a/Whiteboard design session/WDS trainer presentation - Migrate and modernize case for Linux and OSS DB to Azure.pptx
+++ b/Whiteboard design session/WDS trainer presentation - Migrate and modernize case for Linux and OSS DB to Azure.pptx
@@ -237,7 +237,7 @@
           <a:p>
             <a:fld id="{52A13B17-C506-4D51-BB37-16B365906619}" type="datetimeFigureOut">
               <a:rPr lang="en-US" smtClean="0"/>
-              <a:t>11/6/22</a:t>
+              <a:t>11/22/2022</a:t>
             </a:fld>
             <a:endParaRPr lang="en-US" dirty="0"/>
           </a:p>
@@ -1042,23 +1042,7 @@
             </a:pPr>
             <a:r>
               <a:rPr lang="en-US" dirty="0"/>
-              <a:t>The PHP web application server, and MySQL databases have been migrated to Azure and are running in Virtual Machines and Azure Database for MySQL hosted within a Spoke </a:t>
-            </a:r>
-            <a:r>
-              <a:rPr lang="en-US" dirty="0" err="1"/>
-              <a:t>VNet</a:t>
-            </a:r>
-            <a:r>
-              <a:rPr lang="en-US" dirty="0"/>
-              <a:t> in Azure that is peered with the Hub </a:t>
-            </a:r>
-            <a:r>
-              <a:rPr lang="en-US" dirty="0" err="1"/>
-              <a:t>VNet</a:t>
-            </a:r>
-            <a:r>
-              <a:rPr lang="en-US" dirty="0"/>
-              <a:t>.</a:t>
+              <a:t>The PHP web application server, and MySQL databases have been migrated to Azure and are running in Virtual Machines and Azure Database for MySQL hosted within a Spoke VNet in Azure that is peered with the Hub VNet.</a:t>
             </a:r>
           </a:p>
           <a:p>
@@ -2262,7 +2246,7 @@
                   <a:prstClr val="black"/>
                 </a:solidFill>
               </a:rPr>
-              <a:t>11/6/22 7:50 PM</a:t>
+              <a:t>11/22/2022 1:28 PM</a:t>
             </a:fld>
             <a:endParaRPr lang="en-US" dirty="0">
               <a:solidFill>
@@ -15755,25 +15739,7 @@
                 </a:solidFill>
                 <a:latin typeface="+mj-lt"/>
               </a:rPr>
-              <a:t>Dennis </a:t>
-            </a:r>
-            <a:r>
-              <a:rPr lang="en-US" sz="3600" dirty="0" err="1">
-                <a:solidFill>
-                  <a:schemeClr val="tx1"/>
-                </a:solidFill>
-                <a:latin typeface="+mj-lt"/>
-              </a:rPr>
-              <a:t>Nedry</a:t>
-            </a:r>
-            <a:r>
-              <a:rPr lang="en-US" sz="3600" dirty="0">
-                <a:solidFill>
-                  <a:schemeClr val="tx1"/>
-                </a:solidFill>
-                <a:latin typeface="+mj-lt"/>
-              </a:rPr>
-              <a:t>, Chief Technology Officer</a:t>
+              <a:t>Dennis Nedry, Chief Technology Officer</a:t>
             </a:r>
           </a:p>
           <a:p>
@@ -15953,7 +15919,7 @@
           <a:bodyPr/>
           <a:lstStyle/>
           <a:p>
-            <a:endParaRPr lang="en-US"/>
+            <a:endParaRPr lang="en-US" dirty="0"/>
           </a:p>
         </p:txBody>
       </p:sp>
@@ -16215,15 +16181,7 @@
             </a:pPr>
             <a:r>
               <a:rPr lang="en-IE" sz="2800" dirty="0"/>
-              <a:t>The MySQL databases will be migrated to Azure Database for MySQL. The Azure Database for MySQL service will utilize </a:t>
-            </a:r>
-            <a:r>
-              <a:rPr lang="en-IE" sz="2800" dirty="0" err="1"/>
-              <a:t>VNet</a:t>
-            </a:r>
-            <a:r>
-              <a:rPr lang="en-IE" sz="2800" dirty="0"/>
-              <a:t> integration to securely connect to the Spoke VNET in the Hub and Spoke network topology.</a:t>
+              <a:t>The MySQL databases will be migrated to Azure Database for MySQL. The Azure Database for MySQL service will utilize VNet integration to securely connect to the Spoke VNET in the Hub and Spoke network topology.</a:t>
             </a:r>
           </a:p>
           <a:p>
@@ -16342,15 +16300,7 @@
           <a:p>
             <a:r>
               <a:rPr lang="en-IE" sz="3200" dirty="0"/>
-              <a:t>Since Terra Firm and their current on-premises </a:t>
-            </a:r>
-            <a:r>
-              <a:rPr lang="en-IE" sz="3200" dirty="0" err="1"/>
-              <a:t>datacenter</a:t>
-            </a:r>
-            <a:r>
-              <a:rPr lang="en-IE" sz="3200" dirty="0"/>
-              <a:t> is in Palo Alto, CA, the nearest Azure Region to use will be West US.</a:t>
+              <a:t>Since Terra Firm and their current on-premises datacenter is in Palo Alto, CA, the nearest Azure Region to use will be West US.</a:t>
             </a:r>
           </a:p>
           <a:p>
@@ -16636,19 +16586,7 @@
                         <a:rPr lang="en-US" sz="1800" dirty="0">
                           <a:effectLst/>
                         </a:rPr>
-                        <a:t>Flexible Server D8 v4 (8 </a:t>
-                      </a:r>
-                      <a:r>
-                        <a:rPr lang="en-US" sz="1800" dirty="0" err="1">
-                          <a:effectLst/>
-                        </a:rPr>
-                        <a:t>vCores</a:t>
-                      </a:r>
-                      <a:r>
-                        <a:rPr lang="en-US" sz="1800" dirty="0">
-                          <a:effectLst/>
-                        </a:rPr>
-                        <a:t>, 32 GiB RAM)</a:t>
+                        <a:t>Flexible Server D8 v4 (8 vCores, 32 GiB RAM)</a:t>
                       </a:r>
                     </a:p>
                   </a:txBody>
@@ -16933,19 +16871,7 @@
                         <a:rPr lang="en-US" sz="1800" dirty="0">
                           <a:effectLst/>
                         </a:rPr>
-                        <a:t>2x D4s v5 VMs (4 </a:t>
-                      </a:r>
-                      <a:r>
-                        <a:rPr lang="en-US" sz="1800" dirty="0" err="1">
-                          <a:effectLst/>
-                        </a:rPr>
-                        <a:t>vCores</a:t>
-                      </a:r>
-                      <a:r>
-                        <a:rPr lang="en-US" sz="1800" dirty="0">
-                          <a:effectLst/>
-                        </a:rPr>
-                        <a:t>, 16 GiB RAM) &amp; RHEL w/ Hybrid Benefit</a:t>
+                        <a:t>2x D4s v5 VMs (4 vCores, 16 GiB RAM) &amp; RHEL w/ Hybrid Benefit</a:t>
                       </a:r>
                     </a:p>
                   </a:txBody>
@@ -17015,19 +16941,7 @@
                         <a:rPr lang="en-US" sz="1800" dirty="0">
                           <a:effectLst/>
                         </a:rPr>
-                        <a:t>Flexible Server D8 v4 (8 </a:t>
-                      </a:r>
-                      <a:r>
-                        <a:rPr lang="en-US" sz="1800" dirty="0" err="1">
-                          <a:effectLst/>
-                        </a:rPr>
-                        <a:t>vCores</a:t>
-                      </a:r>
-                      <a:r>
-                        <a:rPr lang="en-US" sz="1800" dirty="0">
-                          <a:effectLst/>
-                        </a:rPr>
-                        <a:t>, 32 GiB RAM)</a:t>
+                        <a:t>Flexible Server D8 v4 (8 vCores, 32 GiB RAM)</a:t>
                       </a:r>
                     </a:p>
                   </a:txBody>
@@ -17646,7 +17560,7 @@
           <a:p>
             <a:r>
               <a:rPr lang="en-US" sz="3200" dirty="0"/>
-              <a:t>The D4 v5 VM pricing estimate is for Azure Hybrid Benefit (AHB) pricing with 3 year reserved instance. For Pay as you go with AHB the estimated cost would be $163.52 per month for each VM. Reserved instances offers a much lower cost.</a:t>
+              <a:t>The D4 v5 VM pricing estimate is for Azure Hybrid Benefit (AHB) pricing with a 3 year reserved instance. For Pay as you go with AHB the estimated cost would be $163.52 per month for each VM. Reserved instances offer a much lower cost.</a:t>
             </a:r>
           </a:p>
           <a:p>
@@ -17655,7 +17569,7 @@
           <a:p>
             <a:r>
               <a:rPr lang="en-US" sz="3200" dirty="0"/>
-              <a:t>The MySQL cost estimates does not include storage or additional IOPS since the total cost of these will vary depending on the database usage.</a:t>
+              <a:t>The MySQL cost estimates do not include storage or additional IOPS since the total cost of these will vary depending on the database usage.</a:t>
             </a:r>
           </a:p>
         </p:txBody>
@@ -17758,15 +17672,7 @@
           <a:p>
             <a:r>
               <a:rPr lang="en-IE" sz="3200" dirty="0"/>
-              <a:t>Since Terra Firm and their current on-premises </a:t>
-            </a:r>
-            <a:r>
-              <a:rPr lang="en-IE" sz="3200" dirty="0" err="1"/>
-              <a:t>datacenter</a:t>
-            </a:r>
-            <a:r>
-              <a:rPr lang="en-IE" sz="3200" dirty="0"/>
-              <a:t> is in Palo Alto, CA, the nearest Azure Region to use will be West US.</a:t>
+              <a:t>Since Terra Firm and their current on-premises datacenter is in Palo Alto, CA, the nearest Azure Region to use will be West US.</a:t>
             </a:r>
           </a:p>
           <a:p>
@@ -17866,15 +17772,7 @@
           <a:p>
             <a:r>
               <a:rPr lang="en-IE" sz="3200" dirty="0"/>
-              <a:t>App Service also support </a:t>
-            </a:r>
-            <a:r>
-              <a:rPr lang="en-IE" sz="3200" dirty="0" err="1"/>
-              <a:t>VNet</a:t>
-            </a:r>
-            <a:r>
-              <a:rPr lang="en-IE" sz="3200" dirty="0"/>
-              <a:t> integration enabling integration with the Hub and Spoke networking topology to meet the security requirements of Terra Firm.</a:t>
+              <a:t>App Service also support VNet integration enabling integration with the Hub and Spoke networking topology to meet the security requirements of Terra Firm.</a:t>
             </a:r>
           </a:p>
         </p:txBody>
@@ -18112,19 +18010,7 @@
                         <a:rPr lang="en-US" sz="1800" dirty="0">
                           <a:effectLst/>
                         </a:rPr>
-                        <a:t>P2v3 (4 </a:t>
-                      </a:r>
-                      <a:r>
-                        <a:rPr lang="en-US" sz="1800" dirty="0" err="1">
-                          <a:effectLst/>
-                        </a:rPr>
-                        <a:t>vCores</a:t>
-                      </a:r>
-                      <a:r>
-                        <a:rPr lang="en-US" sz="1800" dirty="0">
-                          <a:effectLst/>
-                        </a:rPr>
-                        <a:t>, 16 GB RAM)</a:t>
+                        <a:t>P2v3 (4 vCores, 16 GB RAM)</a:t>
                       </a:r>
                     </a:p>
                   </a:txBody>
@@ -18194,19 +18080,7 @@
                         <a:rPr lang="en-US" sz="1800" dirty="0">
                           <a:effectLst/>
                         </a:rPr>
-                        <a:t>Flexible Server D8 v4 (8 </a:t>
-                      </a:r>
-                      <a:r>
-                        <a:rPr lang="en-US" sz="1800" dirty="0" err="1">
-                          <a:effectLst/>
-                        </a:rPr>
-                        <a:t>vCores</a:t>
-                      </a:r>
-                      <a:r>
-                        <a:rPr lang="en-US" sz="1800" dirty="0">
-                          <a:effectLst/>
-                        </a:rPr>
-                        <a:t>, 32 GiB RAM)</a:t>
+                        <a:t>Flexible Server D8 v4 (8 vCores, 32 GiB RAM)</a:t>
                       </a:r>
                     </a:p>
                   </a:txBody>
@@ -18623,7 +18497,7 @@
               <a:rPr lang="en-US" sz="2400" dirty="0">
                 <a:latin typeface="+mn-lt"/>
               </a:rPr>
-              <a:t>What options does Azure provide for utilizing existing Red Hat Subscription to save on Red Hat enterprise Linux (RHEL) VM cost in the cloud?</a:t>
+              <a:t>What options does Azure provide for utilizing existing Red Hat Subscription to save on Red Hat Enterprise Linux (RHEL) VM cost in the cloud?</a:t>
             </a:r>
             <a:endParaRPr lang="en-US" sz="1100" dirty="0"/>
           </a:p>
@@ -18782,58 +18656,6 @@
           </a:p>
         </p:txBody>
       </p:sp>
-      <p:sp>
-        <p:nvSpPr>
-          <p:cNvPr id="4" name="TextBox 3">
-            <a:extLst>
-              <a:ext uri="{FF2B5EF4-FFF2-40B4-BE49-F238E27FC236}">
-                <a16:creationId xmlns:a16="http://schemas.microsoft.com/office/drawing/2014/main" id="{BF52ADF6-EE40-25E0-1698-B00536D9F0E2}"/>
-              </a:ext>
-            </a:extLst>
-          </p:cNvPr>
-          <p:cNvSpPr txBox="1"/>
-          <p:nvPr/>
-        </p:nvSpPr>
-        <p:spPr>
-          <a:xfrm>
-            <a:off x="8131126" y="478302"/>
-            <a:ext cx="369397" cy="627864"/>
-          </a:xfrm>
-          <a:prstGeom prst="rect">
-            <a:avLst/>
-          </a:prstGeom>
-          <a:noFill/>
-        </p:spPr>
-        <p:txBody>
-          <a:bodyPr wrap="none" lIns="182880" tIns="146304" rIns="182880" bIns="146304" rtlCol="0">
-            <a:spAutoFit/>
-          </a:bodyPr>
-          <a:lstStyle/>
-          <a:p>
-            <a:pPr>
-              <a:lnSpc>
-                <a:spcPct val="90000"/>
-              </a:lnSpc>
-              <a:spcAft>
-                <a:spcPts val="600"/>
-              </a:spcAft>
-            </a:pPr>
-            <a:endParaRPr lang="en-US" sz="2400" dirty="0" err="1">
-              <a:gradFill>
-                <a:gsLst>
-                  <a:gs pos="2917">
-                    <a:schemeClr val="tx1"/>
-                  </a:gs>
-                  <a:gs pos="30000">
-                    <a:schemeClr val="tx1"/>
-                  </a:gs>
-                </a:gsLst>
-                <a:lin ang="5400000" scaled="0"/>
-              </a:gradFill>
-            </a:endParaRPr>
-          </a:p>
-        </p:txBody>
-      </p:sp>
     </p:spTree>
     <p:extLst>
       <p:ext uri="{BB962C8B-B14F-4D97-AF65-F5344CB8AC3E}">
@@ -18959,58 +18781,6 @@
               </a:rPr>
               <a:t>Azure Kubernetes Service (AKS) is another potential option for hosting applications. For Terra Firm, this may not be the best option as it would likely require redesign of the applications to host in AKS. If Azure App Service doesn't meet their requirements, then AKS may offer an alternative that fits better.</a:t>
             </a:r>
-          </a:p>
-        </p:txBody>
-      </p:sp>
-      <p:sp>
-        <p:nvSpPr>
-          <p:cNvPr id="4" name="TextBox 3">
-            <a:extLst>
-              <a:ext uri="{FF2B5EF4-FFF2-40B4-BE49-F238E27FC236}">
-                <a16:creationId xmlns:a16="http://schemas.microsoft.com/office/drawing/2014/main" id="{BF52ADF6-EE40-25E0-1698-B00536D9F0E2}"/>
-              </a:ext>
-            </a:extLst>
-          </p:cNvPr>
-          <p:cNvSpPr txBox="1"/>
-          <p:nvPr/>
-        </p:nvSpPr>
-        <p:spPr>
-          <a:xfrm>
-            <a:off x="8131126" y="478302"/>
-            <a:ext cx="369397" cy="627864"/>
-          </a:xfrm>
-          <a:prstGeom prst="rect">
-            <a:avLst/>
-          </a:prstGeom>
-          <a:noFill/>
-        </p:spPr>
-        <p:txBody>
-          <a:bodyPr wrap="none" lIns="182880" tIns="146304" rIns="182880" bIns="146304" rtlCol="0">
-            <a:spAutoFit/>
-          </a:bodyPr>
-          <a:lstStyle/>
-          <a:p>
-            <a:pPr>
-              <a:lnSpc>
-                <a:spcPct val="90000"/>
-              </a:lnSpc>
-              <a:spcAft>
-                <a:spcPts val="600"/>
-              </a:spcAft>
-            </a:pPr>
-            <a:endParaRPr lang="en-US" sz="2400" dirty="0" err="1">
-              <a:gradFill>
-                <a:gsLst>
-                  <a:gs pos="2917">
-                    <a:schemeClr val="tx1"/>
-                  </a:gs>
-                  <a:gs pos="30000">
-                    <a:schemeClr val="tx1"/>
-                  </a:gs>
-                </a:gsLst>
-                <a:lin ang="5400000" scaled="0"/>
-              </a:gradFill>
-            </a:endParaRPr>
           </a:p>
         </p:txBody>
       </p:sp>
@@ -19279,7 +19049,7 @@
           <a:p>
             <a:r>
               <a:rPr lang="en-US" sz="2800" i="1" dirty="0"/>
-              <a:t>“We recognized the need and benefits of migrating our aging infrastructure to Azure. I know this migration is going to help us increase reliability while lowering operation and maintenance costs. I'm really looking forward modernizing with cloud infrastructure that will allow us to do more with less.”</a:t>
+              <a:t>“We recognized the need and benefits of migrating our aging infrastructure to Azure. I know this migration is going to help us increase reliability while lowering operation and maintenance costs. I'm really looking forward  modernizing with cloud infrastructure that will allow us to do more with less.”</a:t>
             </a:r>
           </a:p>
           <a:p>
@@ -19289,15 +19059,7 @@
             <a:pPr lvl="2"/>
             <a:r>
               <a:rPr lang="en-US" sz="2000" dirty="0"/>
-              <a:t>— Dennis </a:t>
-            </a:r>
-            <a:r>
-              <a:rPr lang="en-US" sz="2000" dirty="0" err="1"/>
-              <a:t>Nedry</a:t>
-            </a:r>
-            <a:r>
-              <a:rPr lang="en-US" sz="2000" dirty="0"/>
-              <a:t>, CTO, Terra Firm Laboratories</a:t>
+              <a:t>— Dennis Nedry, CTO, Terra Firm Laboratories</a:t>
             </a:r>
             <a:endParaRPr lang="en-US" dirty="0"/>
           </a:p>
@@ -19442,15 +19204,7 @@
           <a:p>
             <a:r>
               <a:rPr lang="en-US" sz="2800" dirty="0"/>
-              <a:t>Dennis </a:t>
-            </a:r>
-            <a:r>
-              <a:rPr lang="en-US" sz="2800" dirty="0" err="1"/>
-              <a:t>Nedry</a:t>
-            </a:r>
-            <a:r>
-              <a:rPr lang="en-US" sz="2800" dirty="0"/>
-              <a:t>, CTO of Terra Firm, has already had their Technical Architects create an assessment of their current environment, of which they’ve already identified the first workload to migrate to Azure.</a:t>
+              <a:t>Dennis Nedry, CTO of Terra Firm, has already had their Technical Architects create an assessment of their current environment, of which they’ve already identified the first workload to migrate to Azure.</a:t>
             </a:r>
           </a:p>
           <a:p>
@@ -19746,7 +19500,7 @@
           <a:p>
             <a:r>
               <a:rPr lang="en-US" sz="3200" dirty="0"/>
-              <a:t>What options does Azure provide for utilizing existing Red Hat Subscription to save on Red Hat enterprise Linux (RHEL) VM cost in the cloud?</a:t>
+              <a:t>What options does Azure provide for utilizing existing Red Hat Subscription to save on Red Hat Enterprise Linux (RHEL) VM cost in the cloud?</a:t>
             </a:r>
           </a:p>
           <a:p>
@@ -19758,7 +19512,7 @@
           <a:p>
             <a:r>
               <a:rPr lang="en-US" sz="3200" dirty="0"/>
-              <a:t>What options are there for PaaS hosting in Azure, and would they offer additional cost savings?</a:t>
+              <a:t>What options are there for PaaS hosting in Azure and would they offer additional cost savings?</a:t>
             </a:r>
           </a:p>
         </p:txBody>
@@ -21297,6 +21051,15 @@
 </file>
 
 <file path=customXml/item1.xml><?xml version="1.0" encoding="utf-8"?>
+<?mso-contentType ?>
+<FormTemplates xmlns="http://schemas.microsoft.com/sharepoint/v3/contenttype/forms">
+  <Display>DocumentLibraryForm</Display>
+  <Edit>DocumentLibraryForm</Edit>
+  <New>DocumentLibraryForm</New>
+</FormTemplates>
+</file>
+
+<file path=customXml/item2.xml><?xml version="1.0" encoding="utf-8"?>
 <ct:contentTypeSchema xmlns:ct="http://schemas.microsoft.com/office/2006/metadata/contentType" xmlns:ma="http://schemas.microsoft.com/office/2006/metadata/properties/metaAttributes" ct:_="" ma:_="" ma:contentTypeName="Document" ma:contentTypeID="0x010100D15DFA3690A15B4081582BBCC6BEAC3E" ma:contentTypeVersion="9" ma:contentTypeDescription="Create a new document." ma:contentTypeScope="" ma:versionID="642da1784587cbe85a7fdbbe4dc36103">
   <xsd:schema xmlns:xsd="http://www.w3.org/2001/XMLSchema" xmlns:xs="http://www.w3.org/2001/XMLSchema" xmlns:p="http://schemas.microsoft.com/office/2006/metadata/properties" xmlns:ns1="http://schemas.microsoft.com/sharepoint/v3" xmlns:ns2="2023ac63-7b75-4916-a9ee-591457758eee" xmlns:ns3="d9c797ad-d7c3-4982-82b7-81352a75e4a5" targetNamespace="http://schemas.microsoft.com/office/2006/metadata/properties" ma:root="true" ma:fieldsID="91198b0246576053cc55dd2c67035a89" ns1:_="" ns2:_="" ns3:_="">
     <xsd:import namespace="http://schemas.microsoft.com/sharepoint/v3"/>
@@ -21498,15 +21261,6 @@
 </ct:contentTypeSchema>
 </file>
 
-<file path=customXml/item2.xml><?xml version="1.0" encoding="utf-8"?>
-<?mso-contentType ?>
-<FormTemplates xmlns="http://schemas.microsoft.com/sharepoint/v3/contenttype/forms">
-  <Display>DocumentLibraryForm</Display>
-  <Edit>DocumentLibraryForm</Edit>
-  <New>DocumentLibraryForm</New>
-</FormTemplates>
-</file>
-
 <file path=customXml/item3.xml><?xml version="1.0" encoding="utf-8"?>
 <p:properties xmlns:p="http://schemas.microsoft.com/office/2006/metadata/properties" xmlns:xsi="http://www.w3.org/2001/XMLSchema-instance" xmlns:pc="http://schemas.microsoft.com/office/infopath/2007/PartnerControls">
   <documentManagement>
@@ -21517,6 +21271,14 @@
 </file>
 
 <file path=customXml/itemProps1.xml><?xml version="1.0" encoding="utf-8"?>
+<ds:datastoreItem xmlns:ds="http://schemas.openxmlformats.org/officeDocument/2006/customXml" ds:itemID="{F18501AF-04CF-4482-BAE1-607B49DDC378}">
+  <ds:schemaRefs>
+    <ds:schemaRef ds:uri="http://schemas.microsoft.com/sharepoint/v3/contenttype/forms"/>
+  </ds:schemaRefs>
+</ds:datastoreItem>
+</file>
+
+<file path=customXml/itemProps2.xml><?xml version="1.0" encoding="utf-8"?>
 <ds:datastoreItem xmlns:ds="http://schemas.openxmlformats.org/officeDocument/2006/customXml" ds:itemID="{255F5BEB-6AD6-480A-8556-C80C5EBC10F2}">
   <ds:schemaRefs>
     <ds:schemaRef ds:uri="http://schemas.microsoft.com/office/2006/metadata/contentType"/>
@@ -21532,14 +21294,6 @@
     <ds:schemaRef ds:uri="http://purl.org/dc/elements/1.1/"/>
     <ds:schemaRef ds:uri="http://purl.org/dc/terms/"/>
     <ds:schemaRef ds:uri="http://schemas.microsoft.com/internal/obd"/>
-  </ds:schemaRefs>
-</ds:datastoreItem>
-</file>
-
-<file path=customXml/itemProps2.xml><?xml version="1.0" encoding="utf-8"?>
-<ds:datastoreItem xmlns:ds="http://schemas.openxmlformats.org/officeDocument/2006/customXml" ds:itemID="{F18501AF-04CF-4482-BAE1-607B49DDC378}">
-  <ds:schemaRefs>
-    <ds:schemaRef ds:uri="http://schemas.microsoft.com/sharepoint/v3/contenttype/forms"/>
   </ds:schemaRefs>
 </ds:datastoreItem>
 </file>

--- a/Whiteboard design session/WDS trainer presentation - Migrate and modernize case for Linux and OSS DB to Azure.pptx
+++ b/Whiteboard design session/WDS trainer presentation - Migrate and modernize case for Linux and OSS DB to Azure.pptx
@@ -2246,7 +2246,7 @@
                   <a:prstClr val="black"/>
                 </a:solidFill>
               </a:rPr>
-              <a:t>11/22/2022 1:28 PM</a:t>
+              <a:t>11/22/2022 1:52 PM</a:t>
             </a:fld>
             <a:endParaRPr lang="en-US" dirty="0">
               <a:solidFill>
@@ -15505,13 +15505,15 @@
             </a:r>
           </a:p>
           <a:p>
-            <a:pPr>
+            <a:pPr marL="342900" indent="-342900">
               <a:lnSpc>
                 <a:spcPct val="90000"/>
               </a:lnSpc>
               <a:spcAft>
                 <a:spcPts val="600"/>
               </a:spcAft>
+              <a:buFont typeface="Arial" panose="020B0604020202020204" pitchFamily="34" charset="0"/>
+              <a:buChar char="•"/>
             </a:pPr>
             <a:r>
               <a:rPr lang="en-US" sz="2400" dirty="0">
@@ -15522,13 +15524,15 @@
             </a:r>
           </a:p>
           <a:p>
-            <a:pPr>
+            <a:pPr marL="342900" indent="-342900">
               <a:lnSpc>
                 <a:spcPct val="90000"/>
               </a:lnSpc>
               <a:spcAft>
                 <a:spcPts val="600"/>
               </a:spcAft>
+              <a:buFont typeface="Arial" panose="020B0604020202020204" pitchFamily="34" charset="0"/>
+              <a:buChar char="•"/>
             </a:pPr>
             <a:r>
               <a:rPr lang="en-US" sz="2400" dirty="0">
@@ -21060,6 +21064,15 @@
 </file>
 
 <file path=customXml/item2.xml><?xml version="1.0" encoding="utf-8"?>
+<p:properties xmlns:p="http://schemas.microsoft.com/office/2006/metadata/properties" xmlns:xsi="http://www.w3.org/2001/XMLSchema-instance" xmlns:pc="http://schemas.microsoft.com/office/infopath/2007/PartnerControls">
+  <documentManagement>
+    <_ip_UnifiedCompliancePolicyUIAction xmlns="http://schemas.microsoft.com/sharepoint/v3" xsi:nil="true"/>
+    <_ip_UnifiedCompliancePolicyProperties xmlns="http://schemas.microsoft.com/sharepoint/v3" xsi:nil="true"/>
+  </documentManagement>
+</p:properties>
+</file>
+
+<file path=customXml/item3.xml><?xml version="1.0" encoding="utf-8"?>
 <ct:contentTypeSchema xmlns:ct="http://schemas.microsoft.com/office/2006/metadata/contentType" xmlns:ma="http://schemas.microsoft.com/office/2006/metadata/properties/metaAttributes" ct:_="" ma:_="" ma:contentTypeName="Document" ma:contentTypeID="0x010100D15DFA3690A15B4081582BBCC6BEAC3E" ma:contentTypeVersion="9" ma:contentTypeDescription="Create a new document." ma:contentTypeScope="" ma:versionID="642da1784587cbe85a7fdbbe4dc36103">
   <xsd:schema xmlns:xsd="http://www.w3.org/2001/XMLSchema" xmlns:xs="http://www.w3.org/2001/XMLSchema" xmlns:p="http://schemas.microsoft.com/office/2006/metadata/properties" xmlns:ns1="http://schemas.microsoft.com/sharepoint/v3" xmlns:ns2="2023ac63-7b75-4916-a9ee-591457758eee" xmlns:ns3="d9c797ad-d7c3-4982-82b7-81352a75e4a5" targetNamespace="http://schemas.microsoft.com/office/2006/metadata/properties" ma:root="true" ma:fieldsID="91198b0246576053cc55dd2c67035a89" ns1:_="" ns2:_="" ns3:_="">
     <xsd:import namespace="http://schemas.microsoft.com/sharepoint/v3"/>
@@ -21261,15 +21274,6 @@
 </ct:contentTypeSchema>
 </file>
 
-<file path=customXml/item3.xml><?xml version="1.0" encoding="utf-8"?>
-<p:properties xmlns:p="http://schemas.microsoft.com/office/2006/metadata/properties" xmlns:xsi="http://www.w3.org/2001/XMLSchema-instance" xmlns:pc="http://schemas.microsoft.com/office/infopath/2007/PartnerControls">
-  <documentManagement>
-    <_ip_UnifiedCompliancePolicyUIAction xmlns="http://schemas.microsoft.com/sharepoint/v3" xsi:nil="true"/>
-    <_ip_UnifiedCompliancePolicyProperties xmlns="http://schemas.microsoft.com/sharepoint/v3" xsi:nil="true"/>
-  </documentManagement>
-</p:properties>
-</file>
-
 <file path=customXml/itemProps1.xml><?xml version="1.0" encoding="utf-8"?>
 <ds:datastoreItem xmlns:ds="http://schemas.openxmlformats.org/officeDocument/2006/customXml" ds:itemID="{F18501AF-04CF-4482-BAE1-607B49DDC378}">
   <ds:schemaRefs>
@@ -21279,6 +21283,24 @@
 </file>
 
 <file path=customXml/itemProps2.xml><?xml version="1.0" encoding="utf-8"?>
+<ds:datastoreItem xmlns:ds="http://schemas.openxmlformats.org/officeDocument/2006/customXml" ds:itemID="{BAF7D529-36AB-45DA-B239-2F912F2D1610}">
+  <ds:schemaRefs>
+    <ds:schemaRef ds:uri="http://purl.org/dc/elements/1.1/"/>
+    <ds:schemaRef ds:uri="http://schemas.microsoft.com/office/2006/metadata/properties"/>
+    <ds:schemaRef ds:uri="http://purl.org/dc/terms/"/>
+    <ds:schemaRef ds:uri="http://schemas.microsoft.com/office/infopath/2007/PartnerControls"/>
+    <ds:schemaRef ds:uri="http://purl.org/dc/dcmitype/"/>
+    <ds:schemaRef ds:uri="http://schemas.openxmlformats.org/package/2006/metadata/core-properties"/>
+    <ds:schemaRef ds:uri="http://schemas.microsoft.com/office/2006/documentManagement/types"/>
+    <ds:schemaRef ds:uri="d9c797ad-d7c3-4982-82b7-81352a75e4a5"/>
+    <ds:schemaRef ds:uri="2023ac63-7b75-4916-a9ee-591457758eee"/>
+    <ds:schemaRef ds:uri="http://schemas.microsoft.com/sharepoint/v3"/>
+    <ds:schemaRef ds:uri="http://www.w3.org/XML/1998/namespace"/>
+  </ds:schemaRefs>
+</ds:datastoreItem>
+</file>
+
+<file path=customXml/itemProps3.xml><?xml version="1.0" encoding="utf-8"?>
 <ds:datastoreItem xmlns:ds="http://schemas.openxmlformats.org/officeDocument/2006/customXml" ds:itemID="{255F5BEB-6AD6-480A-8556-C80C5EBC10F2}">
   <ds:schemaRefs>
     <ds:schemaRef ds:uri="http://schemas.microsoft.com/office/2006/metadata/contentType"/>
@@ -21298,24 +21320,6 @@
 </ds:datastoreItem>
 </file>
 
-<file path=customXml/itemProps3.xml><?xml version="1.0" encoding="utf-8"?>
-<ds:datastoreItem xmlns:ds="http://schemas.openxmlformats.org/officeDocument/2006/customXml" ds:itemID="{BAF7D529-36AB-45DA-B239-2F912F2D1610}">
-  <ds:schemaRefs>
-    <ds:schemaRef ds:uri="http://purl.org/dc/elements/1.1/"/>
-    <ds:schemaRef ds:uri="http://schemas.microsoft.com/office/2006/metadata/properties"/>
-    <ds:schemaRef ds:uri="http://purl.org/dc/terms/"/>
-    <ds:schemaRef ds:uri="http://schemas.microsoft.com/office/infopath/2007/PartnerControls"/>
-    <ds:schemaRef ds:uri="http://purl.org/dc/dcmitype/"/>
-    <ds:schemaRef ds:uri="http://schemas.openxmlformats.org/package/2006/metadata/core-properties"/>
-    <ds:schemaRef ds:uri="http://schemas.microsoft.com/office/2006/documentManagement/types"/>
-    <ds:schemaRef ds:uri="d9c797ad-d7c3-4982-82b7-81352a75e4a5"/>
-    <ds:schemaRef ds:uri="2023ac63-7b75-4916-a9ee-591457758eee"/>
-    <ds:schemaRef ds:uri="http://schemas.microsoft.com/sharepoint/v3"/>
-    <ds:schemaRef ds:uri="http://www.w3.org/XML/1998/namespace"/>
-  </ds:schemaRefs>
-</ds:datastoreItem>
-</file>
-
 <file path=docMetadata/LabelInfo.xml><?xml version="1.0" encoding="utf-8"?>
 <clbl:labelList xmlns:clbl="http://schemas.microsoft.com/office/2020/mipLabelMetadata">
   <clbl:label id="{f42aa342-8706-4288-bd11-ebb85995028c}" enabled="1" method="Privileged" siteId="{72f988bf-86f1-41af-91ab-2d7cd011db47}" removed="0"/>

--- a/Whiteboard design session/WDS trainer presentation - Migrate and modernize case for Linux and OSS DB to Azure.pptx
+++ b/Whiteboard design session/WDS trainer presentation - Migrate and modernize case for Linux and OSS DB to Azure.pptx
@@ -237,7 +237,7 @@
           <a:p>
             <a:fld id="{52A13B17-C506-4D51-BB37-16B365906619}" type="datetimeFigureOut">
               <a:rPr lang="en-US" smtClean="0"/>
-              <a:t>11/22/2022</a:t>
+              <a:t>12/15/22</a:t>
             </a:fld>
             <a:endParaRPr lang="en-US" dirty="0"/>
           </a:p>
@@ -2246,7 +2246,7 @@
                   <a:prstClr val="black"/>
                 </a:solidFill>
               </a:rPr>
-              <a:t>11/22/2022 1:52 PM</a:t>
+              <a:t>12/15/22 9:20 PM</a:t>
             </a:fld>
             <a:endParaRPr lang="en-US" dirty="0">
               <a:solidFill>
@@ -15051,7 +15051,7 @@
           <a:p>
             <a:r>
               <a:rPr lang="en-US" dirty="0"/>
-              <a:t>Migrate and modernize case for Linux and OSS DB to Azure</a:t>
+              <a:t>Building the business migration case with Linux and OSS DB to Azure</a:t>
             </a:r>
           </a:p>
         </p:txBody>
@@ -15642,8 +15642,8 @@
           <a:lstStyle/>
           <a:p>
             <a:r>
-              <a:rPr lang="en-US" sz="4400" b="1" dirty="0"/>
-              <a:t>Migrate and modernize case for Linux and OSS DB to Azure</a:t>
+              <a:rPr lang="en-US" sz="4400" b="1"/>
+              <a:t>Building the business migration case with Linux and OSS DB to Azure</a:t>
             </a:r>
             <a:endParaRPr lang="en-US" dirty="0"/>
           </a:p>
@@ -21064,15 +21064,6 @@
 </file>
 
 <file path=customXml/item2.xml><?xml version="1.0" encoding="utf-8"?>
-<p:properties xmlns:p="http://schemas.microsoft.com/office/2006/metadata/properties" xmlns:xsi="http://www.w3.org/2001/XMLSchema-instance" xmlns:pc="http://schemas.microsoft.com/office/infopath/2007/PartnerControls">
-  <documentManagement>
-    <_ip_UnifiedCompliancePolicyUIAction xmlns="http://schemas.microsoft.com/sharepoint/v3" xsi:nil="true"/>
-    <_ip_UnifiedCompliancePolicyProperties xmlns="http://schemas.microsoft.com/sharepoint/v3" xsi:nil="true"/>
-  </documentManagement>
-</p:properties>
-</file>
-
-<file path=customXml/item3.xml><?xml version="1.0" encoding="utf-8"?>
 <ct:contentTypeSchema xmlns:ct="http://schemas.microsoft.com/office/2006/metadata/contentType" xmlns:ma="http://schemas.microsoft.com/office/2006/metadata/properties/metaAttributes" ct:_="" ma:_="" ma:contentTypeName="Document" ma:contentTypeID="0x010100D15DFA3690A15B4081582BBCC6BEAC3E" ma:contentTypeVersion="9" ma:contentTypeDescription="Create a new document." ma:contentTypeScope="" ma:versionID="642da1784587cbe85a7fdbbe4dc36103">
   <xsd:schema xmlns:xsd="http://www.w3.org/2001/XMLSchema" xmlns:xs="http://www.w3.org/2001/XMLSchema" xmlns:p="http://schemas.microsoft.com/office/2006/metadata/properties" xmlns:ns1="http://schemas.microsoft.com/sharepoint/v3" xmlns:ns2="2023ac63-7b75-4916-a9ee-591457758eee" xmlns:ns3="d9c797ad-d7c3-4982-82b7-81352a75e4a5" targetNamespace="http://schemas.microsoft.com/office/2006/metadata/properties" ma:root="true" ma:fieldsID="91198b0246576053cc55dd2c67035a89" ns1:_="" ns2:_="" ns3:_="">
     <xsd:import namespace="http://schemas.microsoft.com/sharepoint/v3"/>
@@ -21274,6 +21265,15 @@
 </ct:contentTypeSchema>
 </file>
 
+<file path=customXml/item3.xml><?xml version="1.0" encoding="utf-8"?>
+<p:properties xmlns:p="http://schemas.microsoft.com/office/2006/metadata/properties" xmlns:xsi="http://www.w3.org/2001/XMLSchema-instance" xmlns:pc="http://schemas.microsoft.com/office/infopath/2007/PartnerControls">
+  <documentManagement>
+    <_ip_UnifiedCompliancePolicyUIAction xmlns="http://schemas.microsoft.com/sharepoint/v3" xsi:nil="true"/>
+    <_ip_UnifiedCompliancePolicyProperties xmlns="http://schemas.microsoft.com/sharepoint/v3" xsi:nil="true"/>
+  </documentManagement>
+</p:properties>
+</file>
+
 <file path=customXml/itemProps1.xml><?xml version="1.0" encoding="utf-8"?>
 <ds:datastoreItem xmlns:ds="http://schemas.openxmlformats.org/officeDocument/2006/customXml" ds:itemID="{F18501AF-04CF-4482-BAE1-607B49DDC378}">
   <ds:schemaRefs>
@@ -21283,24 +21283,6 @@
 </file>
 
 <file path=customXml/itemProps2.xml><?xml version="1.0" encoding="utf-8"?>
-<ds:datastoreItem xmlns:ds="http://schemas.openxmlformats.org/officeDocument/2006/customXml" ds:itemID="{BAF7D529-36AB-45DA-B239-2F912F2D1610}">
-  <ds:schemaRefs>
-    <ds:schemaRef ds:uri="http://purl.org/dc/elements/1.1/"/>
-    <ds:schemaRef ds:uri="http://schemas.microsoft.com/office/2006/metadata/properties"/>
-    <ds:schemaRef ds:uri="http://purl.org/dc/terms/"/>
-    <ds:schemaRef ds:uri="http://schemas.microsoft.com/office/infopath/2007/PartnerControls"/>
-    <ds:schemaRef ds:uri="http://purl.org/dc/dcmitype/"/>
-    <ds:schemaRef ds:uri="http://schemas.openxmlformats.org/package/2006/metadata/core-properties"/>
-    <ds:schemaRef ds:uri="http://schemas.microsoft.com/office/2006/documentManagement/types"/>
-    <ds:schemaRef ds:uri="d9c797ad-d7c3-4982-82b7-81352a75e4a5"/>
-    <ds:schemaRef ds:uri="2023ac63-7b75-4916-a9ee-591457758eee"/>
-    <ds:schemaRef ds:uri="http://schemas.microsoft.com/sharepoint/v3"/>
-    <ds:schemaRef ds:uri="http://www.w3.org/XML/1998/namespace"/>
-  </ds:schemaRefs>
-</ds:datastoreItem>
-</file>
-
-<file path=customXml/itemProps3.xml><?xml version="1.0" encoding="utf-8"?>
 <ds:datastoreItem xmlns:ds="http://schemas.openxmlformats.org/officeDocument/2006/customXml" ds:itemID="{255F5BEB-6AD6-480A-8556-C80C5EBC10F2}">
   <ds:schemaRefs>
     <ds:schemaRef ds:uri="http://schemas.microsoft.com/office/2006/metadata/contentType"/>
@@ -21320,6 +21302,24 @@
 </ds:datastoreItem>
 </file>
 
+<file path=customXml/itemProps3.xml><?xml version="1.0" encoding="utf-8"?>
+<ds:datastoreItem xmlns:ds="http://schemas.openxmlformats.org/officeDocument/2006/customXml" ds:itemID="{BAF7D529-36AB-45DA-B239-2F912F2D1610}">
+  <ds:schemaRefs>
+    <ds:schemaRef ds:uri="http://purl.org/dc/elements/1.1/"/>
+    <ds:schemaRef ds:uri="http://schemas.microsoft.com/office/2006/metadata/properties"/>
+    <ds:schemaRef ds:uri="http://purl.org/dc/terms/"/>
+    <ds:schemaRef ds:uri="http://schemas.microsoft.com/office/infopath/2007/PartnerControls"/>
+    <ds:schemaRef ds:uri="http://purl.org/dc/dcmitype/"/>
+    <ds:schemaRef ds:uri="http://schemas.openxmlformats.org/package/2006/metadata/core-properties"/>
+    <ds:schemaRef ds:uri="http://schemas.microsoft.com/office/2006/documentManagement/types"/>
+    <ds:schemaRef ds:uri="d9c797ad-d7c3-4982-82b7-81352a75e4a5"/>
+    <ds:schemaRef ds:uri="2023ac63-7b75-4916-a9ee-591457758eee"/>
+    <ds:schemaRef ds:uri="http://schemas.microsoft.com/sharepoint/v3"/>
+    <ds:schemaRef ds:uri="http://www.w3.org/XML/1998/namespace"/>
+  </ds:schemaRefs>
+</ds:datastoreItem>
+</file>
+
 <file path=docMetadata/LabelInfo.xml><?xml version="1.0" encoding="utf-8"?>
 <clbl:labelList xmlns:clbl="http://schemas.microsoft.com/office/2020/mipLabelMetadata">
   <clbl:label id="{f42aa342-8706-4288-bd11-ebb85995028c}" enabled="1" method="Privileged" siteId="{72f988bf-86f1-41af-91ab-2d7cd011db47}" removed="0"/>
